--- a/Virus Outbreak.pptx
+++ b/Virus Outbreak.pptx
@@ -6815,9 +6815,10 @@
           <a:lstStyle/>
           <a:p>
             <a:r>
-              <a:rPr lang="en-US" dirty="0"/>
-              <a:t>Replay-ability</a:t>
-            </a:r>
+              <a:rPr lang="en-US"/>
+              <a:t>Replayability</a:t>
+            </a:r>
+            <a:endParaRPr lang="en-US" dirty="0"/>
           </a:p>
         </p:txBody>
       </p:sp>
@@ -6966,12 +6967,8 @@
           <a:lstStyle/>
           <a:p>
             <a:r>
-              <a:rPr lang="en-US" dirty="0" err="1"/>
-              <a:t>Asteriods</a:t>
-            </a:r>
-            <a:r>
               <a:rPr lang="en-US" dirty="0"/>
-              <a:t> (1979)</a:t>
+              <a:t>Asteroids (1979)</a:t>
             </a:r>
           </a:p>
           <a:p>
